--- a/plots/fragments_naprore_fig.pptx
+++ b/plots/fragments_naprore_fig.pptx
@@ -4048,6 +4048,42 @@
           <a:chExt cx="0" cy="0"/>
         </a:xfrm>
       </p:grpSpPr>
+      <p:pic>
+        <p:nvPicPr>
+          <p:cNvPr id="4" name="Picture 3">
+            <a:extLst>
+              <a:ext uri="{FF2B5EF4-FFF2-40B4-BE49-F238E27FC236}">
+                <a16:creationId xmlns:a16="http://schemas.microsoft.com/office/drawing/2014/main" id="{73744D0C-2C4E-7E0F-A7A3-A5C3ECCFF923}"/>
+              </a:ext>
+            </a:extLst>
+          </p:cNvPr>
+          <p:cNvPicPr>
+            <a:picLocks noChangeAspect="1"/>
+          </p:cNvPicPr>
+          <p:nvPr/>
+        </p:nvPicPr>
+        <p:blipFill>
+          <a:blip r:embed="rId2">
+            <a:extLst>
+              <a:ext uri="{28A0092B-C50C-407E-A947-70E740481C1C}">
+                <a14:useLocalDpi xmlns:a14="http://schemas.microsoft.com/office/drawing/2010/main" val="0"/>
+              </a:ext>
+            </a:extLst>
+          </a:blip>
+          <a:stretch>
+            <a:fillRect/>
+          </a:stretch>
+        </p:blipFill>
+        <p:spPr>
+          <a:xfrm>
+            <a:off x="3809326" y="9288235"/>
+            <a:ext cx="19037739" cy="10878707"/>
+          </a:xfrm>
+          <a:prstGeom prst="rect">
+            <a:avLst/>
+          </a:prstGeom>
+        </p:spPr>
+      </p:pic>
       <p:sp>
         <p:nvSpPr>
           <p:cNvPr id="31" name="Oval 30">
@@ -4689,7 +4725,7 @@
           <p:nvPr/>
         </p:nvPicPr>
         <p:blipFill>
-          <a:blip r:embed="rId2">
+          <a:blip r:embed="rId3">
             <a:extLst>
               <a:ext uri="{28A0092B-C50C-407E-A947-70E740481C1C}">
                 <a14:useLocalDpi xmlns:a14="http://schemas.microsoft.com/office/drawing/2010/main" val="0"/>
@@ -4725,7 +4761,7 @@
           <p:nvPr/>
         </p:nvPicPr>
         <p:blipFill>
-          <a:blip r:embed="rId3">
+          <a:blip r:embed="rId4">
             <a:extLst>
               <a:ext uri="{28A0092B-C50C-407E-A947-70E740481C1C}">
                 <a14:useLocalDpi xmlns:a14="http://schemas.microsoft.com/office/drawing/2010/main" val="0"/>
@@ -4761,7 +4797,7 @@
           <p:nvPr/>
         </p:nvPicPr>
         <p:blipFill>
-          <a:blip r:embed="rId4">
+          <a:blip r:embed="rId5">
             <a:extLst>
               <a:ext uri="{28A0092B-C50C-407E-A947-70E740481C1C}">
                 <a14:useLocalDpi xmlns:a14="http://schemas.microsoft.com/office/drawing/2010/main" val="0"/>
@@ -4797,7 +4833,7 @@
           <p:nvPr/>
         </p:nvPicPr>
         <p:blipFill>
-          <a:blip r:embed="rId5">
+          <a:blip r:embed="rId6">
             <a:extLst>
               <a:ext uri="{28A0092B-C50C-407E-A947-70E740481C1C}">
                 <a14:useLocalDpi xmlns:a14="http://schemas.microsoft.com/office/drawing/2010/main" val="0"/>
@@ -4880,128 +4916,6 @@
             <a:extLst>
               <a:ext uri="{FF2B5EF4-FFF2-40B4-BE49-F238E27FC236}">
                 <a16:creationId xmlns:a16="http://schemas.microsoft.com/office/drawing/2014/main" id="{12D2F9FB-51A8-309E-3C0D-599590957A4B}"/>
-              </a:ext>
-            </a:extLst>
-          </p:cNvPr>
-          <p:cNvPicPr>
-            <a:picLocks noChangeAspect="1"/>
-          </p:cNvPicPr>
-          <p:nvPr/>
-        </p:nvPicPr>
-        <p:blipFill>
-          <a:blip r:embed="rId6">
-            <a:extLst>
-              <a:ext uri="{28A0092B-C50C-407E-A947-70E740481C1C}">
-                <a14:useLocalDpi xmlns:a14="http://schemas.microsoft.com/office/drawing/2010/main" val="0"/>
-              </a:ext>
-            </a:extLst>
-          </a:blip>
-          <a:stretch>
-            <a:fillRect/>
-          </a:stretch>
-        </p:blipFill>
-        <p:spPr>
-          <a:xfrm>
-            <a:off x="15663124" y="6426138"/>
-            <a:ext cx="2959943" cy="1710265"/>
-          </a:xfrm>
-          <a:prstGeom prst="rect">
-            <a:avLst/>
-          </a:prstGeom>
-        </p:spPr>
-      </p:pic>
-      <p:sp>
-        <p:nvSpPr>
-          <p:cNvPr id="24" name="TextBox 23">
-            <a:extLst>
-              <a:ext uri="{FF2B5EF4-FFF2-40B4-BE49-F238E27FC236}">
-                <a16:creationId xmlns:a16="http://schemas.microsoft.com/office/drawing/2014/main" id="{29D11DB6-A8D9-F9C8-B97F-CE5BE6842E90}"/>
-              </a:ext>
-            </a:extLst>
-          </p:cNvPr>
-          <p:cNvSpPr txBox="1"/>
-          <p:nvPr/>
-        </p:nvSpPr>
-        <p:spPr>
-          <a:xfrm>
-            <a:off x="15617016" y="5887180"/>
-            <a:ext cx="2831191" cy="1238761"/>
-          </a:xfrm>
-          <a:prstGeom prst="rect">
-            <a:avLst/>
-          </a:prstGeom>
-          <a:noFill/>
-        </p:spPr>
-        <p:txBody>
-          <a:bodyPr wrap="square" rtlCol="0">
-            <a:prstTxWarp prst="textArchUp">
-              <a:avLst>
-                <a:gd name="adj" fmla="val 9614526"/>
-              </a:avLst>
-            </a:prstTxWarp>
-            <a:spAutoFit/>
-          </a:bodyPr>
-          <a:lstStyle/>
-          <a:p>
-            <a:pPr algn="ctr"/>
-            <a:r>
-              <a:rPr lang="es-MX" sz="3200" b="1" dirty="0" err="1">
-                <a:solidFill>
-                  <a:schemeClr val="accent2">
-                    <a:lumMod val="50000"/>
-                  </a:schemeClr>
-                </a:solidFill>
-                <a:latin typeface="Open Sans" panose="020B0606030504020204" pitchFamily="34" charset="0"/>
-                <a:ea typeface="Open Sans" panose="020B0606030504020204" pitchFamily="34" charset="0"/>
-                <a:cs typeface="Open Sans" panose="020B0606030504020204" pitchFamily="34" charset="0"/>
-              </a:rPr>
-              <a:t>Fatty</a:t>
-            </a:r>
-            <a:r>
-              <a:rPr lang="es-MX" sz="3200" b="1" dirty="0">
-                <a:solidFill>
-                  <a:schemeClr val="accent2">
-                    <a:lumMod val="50000"/>
-                  </a:schemeClr>
-                </a:solidFill>
-                <a:latin typeface="Open Sans" panose="020B0606030504020204" pitchFamily="34" charset="0"/>
-                <a:ea typeface="Open Sans" panose="020B0606030504020204" pitchFamily="34" charset="0"/>
-                <a:cs typeface="Open Sans" panose="020B0606030504020204" pitchFamily="34" charset="0"/>
-              </a:rPr>
-              <a:t> </a:t>
-            </a:r>
-            <a:r>
-              <a:rPr lang="es-MX" sz="3200" b="1" dirty="0" err="1">
-                <a:solidFill>
-                  <a:schemeClr val="accent2">
-                    <a:lumMod val="50000"/>
-                  </a:schemeClr>
-                </a:solidFill>
-                <a:latin typeface="Open Sans" panose="020B0606030504020204" pitchFamily="34" charset="0"/>
-                <a:ea typeface="Open Sans" panose="020B0606030504020204" pitchFamily="34" charset="0"/>
-                <a:cs typeface="Open Sans" panose="020B0606030504020204" pitchFamily="34" charset="0"/>
-              </a:rPr>
-              <a:t>acids</a:t>
-            </a:r>
-            <a:endParaRPr lang="en-US" sz="3200" b="1" dirty="0">
-              <a:solidFill>
-                <a:schemeClr val="accent2">
-                  <a:lumMod val="50000"/>
-                </a:schemeClr>
-              </a:solidFill>
-              <a:latin typeface="Open Sans" panose="020B0606030504020204" pitchFamily="34" charset="0"/>
-              <a:ea typeface="Open Sans" panose="020B0606030504020204" pitchFamily="34" charset="0"/>
-              <a:cs typeface="Open Sans" panose="020B0606030504020204" pitchFamily="34" charset="0"/>
-            </a:endParaRPr>
-          </a:p>
-        </p:txBody>
-      </p:sp>
-      <p:pic>
-        <p:nvPicPr>
-          <p:cNvPr id="26" name="Picture 25" descr="A diagram of a molecule&#10;&#10;Description automatically generated">
-            <a:extLst>
-              <a:ext uri="{FF2B5EF4-FFF2-40B4-BE49-F238E27FC236}">
-                <a16:creationId xmlns:a16="http://schemas.microsoft.com/office/drawing/2014/main" id="{E30FDBF5-C0D0-DC9F-CC8E-5935B4CE5A13}"/>
               </a:ext>
             </a:extLst>
           </p:cNvPr>
@@ -5024,8 +4938,8 @@
         </p:blipFill>
         <p:spPr>
           <a:xfrm>
-            <a:off x="19264245" y="6316675"/>
-            <a:ext cx="2976593" cy="1948248"/>
+            <a:off x="15663124" y="6426138"/>
+            <a:ext cx="2959943" cy="1710265"/>
           </a:xfrm>
           <a:prstGeom prst="rect">
             <a:avLst/>
@@ -5034,10 +4948,10 @@
       </p:pic>
       <p:sp>
         <p:nvSpPr>
-          <p:cNvPr id="28" name="TextBox 27">
+          <p:cNvPr id="24" name="TextBox 23">
             <a:extLst>
               <a:ext uri="{FF2B5EF4-FFF2-40B4-BE49-F238E27FC236}">
-                <a16:creationId xmlns:a16="http://schemas.microsoft.com/office/drawing/2014/main" id="{0C426D85-04BC-D984-4DCA-F8E37FBE98BD}"/>
+                <a16:creationId xmlns:a16="http://schemas.microsoft.com/office/drawing/2014/main" id="{29D11DB6-A8D9-F9C8-B97F-CE5BE6842E90}"/>
               </a:ext>
             </a:extLst>
           </p:cNvPr>
@@ -5046,8 +4960,8 @@
         </p:nvSpPr>
         <p:spPr>
           <a:xfrm>
-            <a:off x="19122107" y="5793687"/>
-            <a:ext cx="3474571" cy="1873324"/>
+            <a:off x="15617016" y="5887180"/>
+            <a:ext cx="2831191" cy="1238761"/>
           </a:xfrm>
           <a:prstGeom prst="rect">
             <a:avLst/>
@@ -5058,7 +4972,7 @@
           <a:bodyPr wrap="square" rtlCol="0">
             <a:prstTxWarp prst="textArchUp">
               <a:avLst>
-                <a:gd name="adj" fmla="val 11514996"/>
+                <a:gd name="adj" fmla="val 9614526"/>
               </a:avLst>
             </a:prstTxWarp>
             <a:spAutoFit/>
@@ -5067,25 +4981,36 @@
           <a:p>
             <a:pPr algn="ctr"/>
             <a:r>
-              <a:rPr lang="es-MX" sz="3600" b="1" dirty="0">
+              <a:rPr lang="es-MX" sz="3200" b="1" dirty="0" err="1">
                 <a:solidFill>
-                  <a:schemeClr val="tx2">
-                    <a:lumMod val="90000"/>
-                    <a:lumOff val="10000"/>
+                  <a:schemeClr val="accent2">
+                    <a:lumMod val="50000"/>
                   </a:schemeClr>
                 </a:solidFill>
                 <a:latin typeface="Open Sans" panose="020B0606030504020204" pitchFamily="34" charset="0"/>
                 <a:ea typeface="Open Sans" panose="020B0606030504020204" pitchFamily="34" charset="0"/>
                 <a:cs typeface="Open Sans" panose="020B0606030504020204" pitchFamily="34" charset="0"/>
               </a:rPr>
-              <a:t>Amino </a:t>
-            </a:r>
-            <a:r>
-              <a:rPr lang="es-MX" sz="3600" b="1" dirty="0" err="1">
+              <a:t>Fatty</a:t>
+            </a:r>
+            <a:r>
+              <a:rPr lang="es-MX" sz="3200" b="1" dirty="0">
                 <a:solidFill>
-                  <a:schemeClr val="tx2">
-                    <a:lumMod val="90000"/>
-                    <a:lumOff val="10000"/>
+                  <a:schemeClr val="accent2">
+                    <a:lumMod val="50000"/>
+                  </a:schemeClr>
+                </a:solidFill>
+                <a:latin typeface="Open Sans" panose="020B0606030504020204" pitchFamily="34" charset="0"/>
+                <a:ea typeface="Open Sans" panose="020B0606030504020204" pitchFamily="34" charset="0"/>
+                <a:cs typeface="Open Sans" panose="020B0606030504020204" pitchFamily="34" charset="0"/>
+              </a:rPr>
+              <a:t> </a:t>
+            </a:r>
+            <a:r>
+              <a:rPr lang="es-MX" sz="3200" b="1" dirty="0" err="1">
+                <a:solidFill>
+                  <a:schemeClr val="accent2">
+                    <a:lumMod val="50000"/>
                   </a:schemeClr>
                 </a:solidFill>
                 <a:latin typeface="Open Sans" panose="020B0606030504020204" pitchFamily="34" charset="0"/>
@@ -5094,39 +5019,10 @@
               </a:rPr>
               <a:t>acids</a:t>
             </a:r>
-            <a:r>
-              <a:rPr lang="es-MX" sz="3600" b="1" dirty="0">
-                <a:solidFill>
-                  <a:schemeClr val="tx2">
-                    <a:lumMod val="90000"/>
-                    <a:lumOff val="10000"/>
-                  </a:schemeClr>
-                </a:solidFill>
-                <a:latin typeface="Open Sans" panose="020B0606030504020204" pitchFamily="34" charset="0"/>
-                <a:ea typeface="Open Sans" panose="020B0606030504020204" pitchFamily="34" charset="0"/>
-                <a:cs typeface="Open Sans" panose="020B0606030504020204" pitchFamily="34" charset="0"/>
-              </a:rPr>
-              <a:t> and </a:t>
-            </a:r>
-            <a:r>
-              <a:rPr lang="es-MX" sz="3600" b="1" dirty="0" err="1">
-                <a:solidFill>
-                  <a:schemeClr val="tx2">
-                    <a:lumMod val="90000"/>
-                    <a:lumOff val="10000"/>
-                  </a:schemeClr>
-                </a:solidFill>
-                <a:latin typeface="Open Sans" panose="020B0606030504020204" pitchFamily="34" charset="0"/>
-                <a:ea typeface="Open Sans" panose="020B0606030504020204" pitchFamily="34" charset="0"/>
-                <a:cs typeface="Open Sans" panose="020B0606030504020204" pitchFamily="34" charset="0"/>
-              </a:rPr>
-              <a:t>Peptides</a:t>
-            </a:r>
-            <a:endParaRPr lang="en-US" sz="3600" b="1" dirty="0">
+            <a:endParaRPr lang="en-US" sz="3200" b="1" dirty="0">
               <a:solidFill>
-                <a:schemeClr val="tx2">
-                  <a:lumMod val="90000"/>
-                  <a:lumOff val="10000"/>
+                <a:schemeClr val="accent2">
+                  <a:lumMod val="50000"/>
                 </a:schemeClr>
               </a:solidFill>
               <a:latin typeface="Open Sans" panose="020B0606030504020204" pitchFamily="34" charset="0"/>
@@ -5138,10 +5034,10 @@
       </p:sp>
       <p:pic>
         <p:nvPicPr>
-          <p:cNvPr id="30" name="Picture 29" descr="A diagram of a molecule&#10;&#10;Description automatically generated">
+          <p:cNvPr id="26" name="Picture 25" descr="A diagram of a molecule&#10;&#10;Description automatically generated">
             <a:extLst>
               <a:ext uri="{FF2B5EF4-FFF2-40B4-BE49-F238E27FC236}">
-                <a16:creationId xmlns:a16="http://schemas.microsoft.com/office/drawing/2014/main" id="{A0DFBA70-2484-4E48-EF95-8062964CF205}"/>
+                <a16:creationId xmlns:a16="http://schemas.microsoft.com/office/drawing/2014/main" id="{E30FDBF5-C0D0-DC9F-CC8E-5935B4CE5A13}"/>
               </a:ext>
             </a:extLst>
           </p:cNvPr>
@@ -5164,6 +5060,146 @@
         </p:blipFill>
         <p:spPr>
           <a:xfrm>
+            <a:off x="19264245" y="6316675"/>
+            <a:ext cx="2976593" cy="1948248"/>
+          </a:xfrm>
+          <a:prstGeom prst="rect">
+            <a:avLst/>
+          </a:prstGeom>
+        </p:spPr>
+      </p:pic>
+      <p:sp>
+        <p:nvSpPr>
+          <p:cNvPr id="28" name="TextBox 27">
+            <a:extLst>
+              <a:ext uri="{FF2B5EF4-FFF2-40B4-BE49-F238E27FC236}">
+                <a16:creationId xmlns:a16="http://schemas.microsoft.com/office/drawing/2014/main" id="{0C426D85-04BC-D984-4DCA-F8E37FBE98BD}"/>
+              </a:ext>
+            </a:extLst>
+          </p:cNvPr>
+          <p:cNvSpPr txBox="1"/>
+          <p:nvPr/>
+        </p:nvSpPr>
+        <p:spPr>
+          <a:xfrm>
+            <a:off x="19122107" y="5793687"/>
+            <a:ext cx="3474571" cy="1873324"/>
+          </a:xfrm>
+          <a:prstGeom prst="rect">
+            <a:avLst/>
+          </a:prstGeom>
+          <a:noFill/>
+        </p:spPr>
+        <p:txBody>
+          <a:bodyPr wrap="square" rtlCol="0">
+            <a:prstTxWarp prst="textArchUp">
+              <a:avLst>
+                <a:gd name="adj" fmla="val 11514996"/>
+              </a:avLst>
+            </a:prstTxWarp>
+            <a:spAutoFit/>
+          </a:bodyPr>
+          <a:lstStyle/>
+          <a:p>
+            <a:pPr algn="ctr"/>
+            <a:r>
+              <a:rPr lang="es-MX" sz="3600" b="1" dirty="0">
+                <a:solidFill>
+                  <a:schemeClr val="tx2">
+                    <a:lumMod val="90000"/>
+                    <a:lumOff val="10000"/>
+                  </a:schemeClr>
+                </a:solidFill>
+                <a:latin typeface="Open Sans" panose="020B0606030504020204" pitchFamily="34" charset="0"/>
+                <a:ea typeface="Open Sans" panose="020B0606030504020204" pitchFamily="34" charset="0"/>
+                <a:cs typeface="Open Sans" panose="020B0606030504020204" pitchFamily="34" charset="0"/>
+              </a:rPr>
+              <a:t>Amino </a:t>
+            </a:r>
+            <a:r>
+              <a:rPr lang="es-MX" sz="3600" b="1" dirty="0" err="1">
+                <a:solidFill>
+                  <a:schemeClr val="tx2">
+                    <a:lumMod val="90000"/>
+                    <a:lumOff val="10000"/>
+                  </a:schemeClr>
+                </a:solidFill>
+                <a:latin typeface="Open Sans" panose="020B0606030504020204" pitchFamily="34" charset="0"/>
+                <a:ea typeface="Open Sans" panose="020B0606030504020204" pitchFamily="34" charset="0"/>
+                <a:cs typeface="Open Sans" panose="020B0606030504020204" pitchFamily="34" charset="0"/>
+              </a:rPr>
+              <a:t>acids</a:t>
+            </a:r>
+            <a:r>
+              <a:rPr lang="es-MX" sz="3600" b="1" dirty="0">
+                <a:solidFill>
+                  <a:schemeClr val="tx2">
+                    <a:lumMod val="90000"/>
+                    <a:lumOff val="10000"/>
+                  </a:schemeClr>
+                </a:solidFill>
+                <a:latin typeface="Open Sans" panose="020B0606030504020204" pitchFamily="34" charset="0"/>
+                <a:ea typeface="Open Sans" panose="020B0606030504020204" pitchFamily="34" charset="0"/>
+                <a:cs typeface="Open Sans" panose="020B0606030504020204" pitchFamily="34" charset="0"/>
+              </a:rPr>
+              <a:t> and </a:t>
+            </a:r>
+            <a:r>
+              <a:rPr lang="es-MX" sz="3600" b="1" dirty="0" err="1">
+                <a:solidFill>
+                  <a:schemeClr val="tx2">
+                    <a:lumMod val="90000"/>
+                    <a:lumOff val="10000"/>
+                  </a:schemeClr>
+                </a:solidFill>
+                <a:latin typeface="Open Sans" panose="020B0606030504020204" pitchFamily="34" charset="0"/>
+                <a:ea typeface="Open Sans" panose="020B0606030504020204" pitchFamily="34" charset="0"/>
+                <a:cs typeface="Open Sans" panose="020B0606030504020204" pitchFamily="34" charset="0"/>
+              </a:rPr>
+              <a:t>Peptides</a:t>
+            </a:r>
+            <a:endParaRPr lang="en-US" sz="3600" b="1" dirty="0">
+              <a:solidFill>
+                <a:schemeClr val="tx2">
+                  <a:lumMod val="90000"/>
+                  <a:lumOff val="10000"/>
+                </a:schemeClr>
+              </a:solidFill>
+              <a:latin typeface="Open Sans" panose="020B0606030504020204" pitchFamily="34" charset="0"/>
+              <a:ea typeface="Open Sans" panose="020B0606030504020204" pitchFamily="34" charset="0"/>
+              <a:cs typeface="Open Sans" panose="020B0606030504020204" pitchFamily="34" charset="0"/>
+            </a:endParaRPr>
+          </a:p>
+        </p:txBody>
+      </p:sp>
+      <p:pic>
+        <p:nvPicPr>
+          <p:cNvPr id="30" name="Picture 29" descr="A diagram of a molecule&#10;&#10;Description automatically generated">
+            <a:extLst>
+              <a:ext uri="{FF2B5EF4-FFF2-40B4-BE49-F238E27FC236}">
+                <a16:creationId xmlns:a16="http://schemas.microsoft.com/office/drawing/2014/main" id="{A0DFBA70-2484-4E48-EF95-8062964CF205}"/>
+              </a:ext>
+            </a:extLst>
+          </p:cNvPr>
+          <p:cNvPicPr>
+            <a:picLocks noChangeAspect="1"/>
+          </p:cNvPicPr>
+          <p:nvPr/>
+        </p:nvPicPr>
+        <p:blipFill>
+          <a:blip r:embed="rId9">
+            <a:extLst>
+              <a:ext uri="{28A0092B-C50C-407E-A947-70E740481C1C}">
+                <a14:useLocalDpi xmlns:a14="http://schemas.microsoft.com/office/drawing/2010/main" val="0"/>
+              </a:ext>
+            </a:extLst>
+          </a:blip>
+          <a:stretch>
+            <a:fillRect/>
+          </a:stretch>
+        </p:blipFill>
+        <p:spPr>
+          <a:xfrm>
             <a:off x="23072432" y="6090384"/>
             <a:ext cx="3202152" cy="2424706"/>
           </a:xfrm>
@@ -5380,7 +5416,7 @@
           <p:nvPr/>
         </p:nvPicPr>
         <p:blipFill>
-          <a:blip r:embed="rId9">
+          <a:blip r:embed="rId10">
             <a:extLst>
               <a:ext uri="{28A0092B-C50C-407E-A947-70E740481C1C}">
                 <a14:useLocalDpi xmlns:a14="http://schemas.microsoft.com/office/drawing/2010/main" val="0"/>
@@ -5445,42 +5481,6 @@
           </a:p>
         </p:txBody>
       </p:sp>
-      <p:pic>
-        <p:nvPicPr>
-          <p:cNvPr id="8" name="Picture 7">
-            <a:extLst>
-              <a:ext uri="{FF2B5EF4-FFF2-40B4-BE49-F238E27FC236}">
-                <a16:creationId xmlns:a16="http://schemas.microsoft.com/office/drawing/2014/main" id="{7307AC67-0D59-DA8E-9B40-7B714CB07A11}"/>
-              </a:ext>
-            </a:extLst>
-          </p:cNvPr>
-          <p:cNvPicPr>
-            <a:picLocks noChangeAspect="1"/>
-          </p:cNvPicPr>
-          <p:nvPr/>
-        </p:nvPicPr>
-        <p:blipFill>
-          <a:blip r:embed="rId10">
-            <a:extLst>
-              <a:ext uri="{28A0092B-C50C-407E-A947-70E740481C1C}">
-                <a14:useLocalDpi xmlns:a14="http://schemas.microsoft.com/office/drawing/2010/main" val="0"/>
-              </a:ext>
-            </a:extLst>
-          </a:blip>
-          <a:stretch>
-            <a:fillRect/>
-          </a:stretch>
-        </p:blipFill>
-        <p:spPr>
-          <a:xfrm>
-            <a:off x="3792772" y="9288235"/>
-            <a:ext cx="19054297" cy="10888169"/>
-          </a:xfrm>
-          <a:prstGeom prst="rect">
-            <a:avLst/>
-          </a:prstGeom>
-        </p:spPr>
-      </p:pic>
       <p:sp>
         <p:nvSpPr>
           <p:cNvPr id="12" name="TextBox 11">
